--- a/Diseño_Semanario_Web 1.0.pptx
+++ b/Diseño_Semanario_Web 1.0.pptx
@@ -4634,7 +4634,7 @@
               <a:t>n las tablas que están construídas mediante interpolación: esperanza de vida y porcentaje de pobreza no hay filtros que hacer</a:t>
             </a:r>
             <a:r>
-              <a:rPr lang="ang-Latn-001" sz="1200"/>
+              <a:rPr lang="ang-Latn-001" sz="1200" dirty="0"/>
               <a:t>.</a:t>
             </a:r>
             <a:endParaRPr lang="es-CL" sz="1200" dirty="0"/>
@@ -4992,6 +4992,130 @@
                 </a:solidFill>
               </a:rPr>
               <a:t>**</a:t>
+            </a:r>
+            <a:endParaRPr lang="es-CL" dirty="0"/>
+          </a:p>
+        </p:txBody>
+      </p:sp>
+      <p:sp>
+        <p:nvSpPr>
+          <p:cNvPr id="2" name="CuadroTexto 1">
+            <a:extLst>
+              <a:ext uri="{FF2B5EF4-FFF2-40B4-BE49-F238E27FC236}">
+                <a16:creationId xmlns:a16="http://schemas.microsoft.com/office/drawing/2014/main" id="{47A19BB3-F3DF-4D95-9910-B341B9B2274F}"/>
+              </a:ext>
+            </a:extLst>
+          </p:cNvPr>
+          <p:cNvSpPr txBox="1"/>
+          <p:nvPr/>
+        </p:nvSpPr>
+        <p:spPr>
+          <a:xfrm>
+            <a:off x="277730" y="10345475"/>
+            <a:ext cx="6208231" cy="1569660"/>
+          </a:xfrm>
+          <a:prstGeom prst="rect">
+            <a:avLst/>
+          </a:prstGeom>
+          <a:noFill/>
+        </p:spPr>
+        <p:txBody>
+          <a:bodyPr wrap="square" rtlCol="0">
+            <a:spAutoFit/>
+          </a:bodyPr>
+          <a:lstStyle/>
+          <a:p>
+            <a:r>
+              <a:rPr lang="es-CL" sz="800" dirty="0"/>
+              <a:t>https://github.com/Sud-Austral/ds_semanario/blob/main/tablas%20ppt%201-3%20Victor/ttcc_Porcentaje_de_pobreza_1.xlsx</a:t>
+            </a:r>
+          </a:p>
+          <a:p>
+            <a:endParaRPr lang="es-CL" sz="800" dirty="0"/>
+          </a:p>
+          <a:p>
+            <a:r>
+              <a:rPr lang="es-CL" sz="800" dirty="0"/>
+              <a:t>https://github.com/Sud-Austral/ds_semanario/blob/main/tablas%20ppt%201-3%20Victor/ttcc_ap_trabajo_al_menos_1_hora_la_semana_pasada_2.xlsx</a:t>
+            </a:r>
+          </a:p>
+          <a:p>
+            <a:endParaRPr lang="es-CL" sz="800" dirty="0"/>
+          </a:p>
+          <a:p>
+            <a:r>
+              <a:rPr lang="es-CL" sz="800" dirty="0"/>
+              <a:t>https://github.com/Sud-Austral/ds_semanario/blob/main/tablas%20ppt%201-3%20Victor/ttcc_Sabe_leer_y_escribir_3.xlsx</a:t>
+            </a:r>
+          </a:p>
+          <a:p>
+            <a:endParaRPr lang="es-CL" sz="800" dirty="0"/>
+          </a:p>
+          <a:p>
+            <a:r>
+              <a:rPr lang="es-CL" sz="800" dirty="0"/>
+              <a:t>https://github.com/Sud-Austral/ds_semanario/blob/main/ap_pertenencia_a_pueblo_indigena_4.xlsx</a:t>
+            </a:r>
+          </a:p>
+          <a:p>
+            <a:endParaRPr lang="es-CL" sz="800" dirty="0"/>
+          </a:p>
+          <a:p>
+            <a:r>
+              <a:rPr lang="es-CL" sz="800" dirty="0"/>
+              <a:t>https://github.com/Sud-Austral/ds_semanario/blob/main/ap_esperanza_de_vida_5.xlsx</a:t>
+            </a:r>
+          </a:p>
+          <a:p>
+            <a:endParaRPr lang="es-CL" sz="800" dirty="0"/>
+          </a:p>
+          <a:p>
+            <a:r>
+              <a:rPr lang="es-CL" sz="800" dirty="0"/>
+              <a:t>https://github.com/Sud-Austral/ds_semanario/blob/main/ap_ruralidad_6.xlsx</a:t>
+            </a:r>
+          </a:p>
+        </p:txBody>
+      </p:sp>
+      <p:sp>
+        <p:nvSpPr>
+          <p:cNvPr id="8" name="CuadroTexto 7">
+            <a:extLst>
+              <a:ext uri="{FF2B5EF4-FFF2-40B4-BE49-F238E27FC236}">
+                <a16:creationId xmlns:a16="http://schemas.microsoft.com/office/drawing/2014/main" id="{BC0BB2A0-0792-40E2-A1AF-D15E9A4C771F}"/>
+              </a:ext>
+            </a:extLst>
+          </p:cNvPr>
+          <p:cNvSpPr txBox="1"/>
+          <p:nvPr/>
+        </p:nvSpPr>
+        <p:spPr>
+          <a:xfrm>
+            <a:off x="339601" y="9908951"/>
+            <a:ext cx="5950300" cy="369332"/>
+          </a:xfrm>
+          <a:prstGeom prst="rect">
+            <a:avLst/>
+          </a:prstGeom>
+          <a:noFill/>
+        </p:spPr>
+        <p:txBody>
+          <a:bodyPr wrap="square" rtlCol="0">
+            <a:spAutoFit/>
+          </a:bodyPr>
+          <a:lstStyle/>
+          <a:p>
+            <a:r>
+              <a:rPr lang="ang-Latn-001" dirty="0"/>
+              <a:t>Tablas que unen areas protegidas a data sociodemogr</a:t>
+            </a:r>
+            <a:r>
+              <a:rPr lang="es-CL" dirty="0"/>
+              <a:t>á</a:t>
+            </a:r>
+            <a:r>
+              <a:rPr lang="ang-Latn-001" dirty="0"/>
+              <a:t>fica</a:t>
             </a:r>
             <a:endParaRPr lang="es-CL" dirty="0"/>
           </a:p>

--- a/Diseño_Semanario_Web 1.0.pptx
+++ b/Diseño_Semanario_Web 1.0.pptx
@@ -198,7 +198,7 @@
           <a:p>
             <a:fld id="{C98B2472-D892-4F42-96E8-B2D3D6BA2911}" type="datetimeFigureOut">
               <a:rPr lang="es-CL" smtClean="0"/>
-              <a:t>18-01-2022</a:t>
+              <a:t>19-01-2022</a:t>
             </a:fld>
             <a:endParaRPr lang="es-CL"/>
           </a:p>
@@ -681,7 +681,7 @@
           <a:p>
             <a:fld id="{34EC7633-CAD0-43DD-828A-2078C3920FC5}" type="datetimeFigureOut">
               <a:rPr lang="es-CL" smtClean="0"/>
-              <a:t>18-01-2022</a:t>
+              <a:t>19-01-2022</a:t>
             </a:fld>
             <a:endParaRPr lang="es-CL"/>
           </a:p>
@@ -851,7 +851,7 @@
           <a:p>
             <a:fld id="{34EC7633-CAD0-43DD-828A-2078C3920FC5}" type="datetimeFigureOut">
               <a:rPr lang="es-CL" smtClean="0"/>
-              <a:t>18-01-2022</a:t>
+              <a:t>19-01-2022</a:t>
             </a:fld>
             <a:endParaRPr lang="es-CL"/>
           </a:p>
@@ -1031,7 +1031,7 @@
           <a:p>
             <a:fld id="{34EC7633-CAD0-43DD-828A-2078C3920FC5}" type="datetimeFigureOut">
               <a:rPr lang="es-CL" smtClean="0"/>
-              <a:t>18-01-2022</a:t>
+              <a:t>19-01-2022</a:t>
             </a:fld>
             <a:endParaRPr lang="es-CL"/>
           </a:p>
@@ -1201,7 +1201,7 @@
           <a:p>
             <a:fld id="{34EC7633-CAD0-43DD-828A-2078C3920FC5}" type="datetimeFigureOut">
               <a:rPr lang="es-CL" smtClean="0"/>
-              <a:t>18-01-2022</a:t>
+              <a:t>19-01-2022</a:t>
             </a:fld>
             <a:endParaRPr lang="es-CL"/>
           </a:p>
@@ -1445,7 +1445,7 @@
           <a:p>
             <a:fld id="{34EC7633-CAD0-43DD-828A-2078C3920FC5}" type="datetimeFigureOut">
               <a:rPr lang="es-CL" smtClean="0"/>
-              <a:t>18-01-2022</a:t>
+              <a:t>19-01-2022</a:t>
             </a:fld>
             <a:endParaRPr lang="es-CL"/>
           </a:p>
@@ -1677,7 +1677,7 @@
           <a:p>
             <a:fld id="{34EC7633-CAD0-43DD-828A-2078C3920FC5}" type="datetimeFigureOut">
               <a:rPr lang="es-CL" smtClean="0"/>
-              <a:t>18-01-2022</a:t>
+              <a:t>19-01-2022</a:t>
             </a:fld>
             <a:endParaRPr lang="es-CL"/>
           </a:p>
@@ -2044,7 +2044,7 @@
           <a:p>
             <a:fld id="{34EC7633-CAD0-43DD-828A-2078C3920FC5}" type="datetimeFigureOut">
               <a:rPr lang="es-CL" smtClean="0"/>
-              <a:t>18-01-2022</a:t>
+              <a:t>19-01-2022</a:t>
             </a:fld>
             <a:endParaRPr lang="es-CL"/>
           </a:p>
@@ -2162,7 +2162,7 @@
           <a:p>
             <a:fld id="{34EC7633-CAD0-43DD-828A-2078C3920FC5}" type="datetimeFigureOut">
               <a:rPr lang="es-CL" smtClean="0"/>
-              <a:t>18-01-2022</a:t>
+              <a:t>19-01-2022</a:t>
             </a:fld>
             <a:endParaRPr lang="es-CL"/>
           </a:p>
@@ -2257,7 +2257,7 @@
           <a:p>
             <a:fld id="{34EC7633-CAD0-43DD-828A-2078C3920FC5}" type="datetimeFigureOut">
               <a:rPr lang="es-CL" smtClean="0"/>
-              <a:t>18-01-2022</a:t>
+              <a:t>19-01-2022</a:t>
             </a:fld>
             <a:endParaRPr lang="es-CL"/>
           </a:p>
@@ -2534,7 +2534,7 @@
           <a:p>
             <a:fld id="{34EC7633-CAD0-43DD-828A-2078C3920FC5}" type="datetimeFigureOut">
               <a:rPr lang="es-CL" smtClean="0"/>
-              <a:t>18-01-2022</a:t>
+              <a:t>19-01-2022</a:t>
             </a:fld>
             <a:endParaRPr lang="es-CL"/>
           </a:p>
@@ -2791,7 +2791,7 @@
           <a:p>
             <a:fld id="{34EC7633-CAD0-43DD-828A-2078C3920FC5}" type="datetimeFigureOut">
               <a:rPr lang="es-CL" smtClean="0"/>
-              <a:t>18-01-2022</a:t>
+              <a:t>19-01-2022</a:t>
             </a:fld>
             <a:endParaRPr lang="es-CL"/>
           </a:p>
@@ -3004,7 +3004,7 @@
           <a:p>
             <a:fld id="{34EC7633-CAD0-43DD-828A-2078C3920FC5}" type="datetimeFigureOut">
               <a:rPr lang="es-CL" smtClean="0"/>
-              <a:t>18-01-2022</a:t>
+              <a:t>19-01-2022</a:t>
             </a:fld>
             <a:endParaRPr lang="es-CL"/>
           </a:p>
@@ -5026,54 +5026,72 @@
           <a:lstStyle/>
           <a:p>
             <a:r>
-              <a:rPr lang="es-CL" sz="800" dirty="0"/>
+              <a:rPr lang="es-CL" sz="800" dirty="0">
+                <a:hlinkClick r:id="rId10"/>
+              </a:rPr>
               <a:t>https://github.com/Sud-Austral/ds_semanario/blob/main/tablas%20ppt%201-3%20Victor/ttcc_Porcentaje_de_pobreza_1.xlsx</a:t>
             </a:r>
-          </a:p>
-          <a:p>
             <a:endParaRPr lang="es-CL" sz="800" dirty="0"/>
           </a:p>
           <a:p>
-            <a:r>
-              <a:rPr lang="es-CL" sz="800" dirty="0"/>
+            <a:endParaRPr lang="es-CL" sz="800" dirty="0"/>
+          </a:p>
+          <a:p>
+            <a:r>
+              <a:rPr lang="es-CL" sz="800" dirty="0">
+                <a:hlinkClick r:id="rId11"/>
+              </a:rPr>
               <a:t>https://github.com/Sud-Austral/ds_semanario/blob/main/tablas%20ppt%201-3%20Victor/ttcc_ap_trabajo_al_menos_1_hora_la_semana_pasada_2.xlsx</a:t>
             </a:r>
-          </a:p>
-          <a:p>
             <a:endParaRPr lang="es-CL" sz="800" dirty="0"/>
           </a:p>
           <a:p>
-            <a:r>
-              <a:rPr lang="es-CL" sz="800" dirty="0"/>
+            <a:endParaRPr lang="es-CL" sz="800" dirty="0"/>
+          </a:p>
+          <a:p>
+            <a:r>
+              <a:rPr lang="es-CL" sz="800" dirty="0">
+                <a:hlinkClick r:id="rId12"/>
+              </a:rPr>
               <a:t>https://github.com/Sud-Austral/ds_semanario/blob/main/tablas%20ppt%201-3%20Victor/ttcc_Sabe_leer_y_escribir_3.xlsx</a:t>
             </a:r>
-          </a:p>
-          <a:p>
             <a:endParaRPr lang="es-CL" sz="800" dirty="0"/>
           </a:p>
           <a:p>
-            <a:r>
-              <a:rPr lang="es-CL" sz="800" dirty="0"/>
+            <a:endParaRPr lang="es-CL" sz="800" dirty="0"/>
+          </a:p>
+          <a:p>
+            <a:r>
+              <a:rPr lang="es-CL" sz="800" dirty="0">
+                <a:hlinkClick r:id="rId13"/>
+              </a:rPr>
               <a:t>https://github.com/Sud-Austral/ds_semanario/blob/main/ap_pertenencia_a_pueblo_indigena_4.xlsx</a:t>
             </a:r>
-          </a:p>
-          <a:p>
             <a:endParaRPr lang="es-CL" sz="800" dirty="0"/>
           </a:p>
           <a:p>
-            <a:r>
-              <a:rPr lang="es-CL" sz="800" dirty="0"/>
+            <a:endParaRPr lang="es-CL" sz="800" dirty="0"/>
+          </a:p>
+          <a:p>
+            <a:r>
+              <a:rPr lang="es-CL" sz="800" dirty="0">
+                <a:hlinkClick r:id="rId13"/>
+              </a:rPr>
               <a:t>https://github.com/Sud-Austral/ds_semanario/blob/main/ap_esperanza_de_vida_5.xlsx</a:t>
             </a:r>
-          </a:p>
-          <a:p>
             <a:endParaRPr lang="es-CL" sz="800" dirty="0"/>
           </a:p>
           <a:p>
-            <a:r>
-              <a:rPr lang="es-CL" sz="800" dirty="0"/>
+            <a:endParaRPr lang="es-CL" sz="800" dirty="0"/>
+          </a:p>
+          <a:p>
+            <a:r>
+              <a:rPr lang="es-CL" sz="800" dirty="0">
+                <a:hlinkClick r:id="rId13"/>
+              </a:rPr>
               <a:t>https://github.com/Sud-Austral/ds_semanario/blob/main/ap_ruralidad_6.xlsx</a:t>
             </a:r>
+            <a:endParaRPr lang="es-CL" sz="800" dirty="0"/>
           </a:p>
         </p:txBody>
       </p:sp>

--- a/Diseño_Semanario_Web 1.0.pptx
+++ b/Diseño_Semanario_Web 1.0.pptx
@@ -3839,8 +3839,8 @@
         </p:nvSpPr>
         <p:spPr>
           <a:xfrm>
-            <a:off x="173223" y="737408"/>
-            <a:ext cx="6358605" cy="4450087"/>
+            <a:off x="173242" y="1019643"/>
+            <a:ext cx="6358605" cy="4299118"/>
           </a:xfrm>
           <a:prstGeom prst="rect">
             <a:avLst/>
@@ -4306,53 +4306,6 @@
       </p:sp>
       <p:sp>
         <p:nvSpPr>
-          <p:cNvPr id="29" name="Rectángulo 28">
-            <a:extLst>
-              <a:ext uri="{FF2B5EF4-FFF2-40B4-BE49-F238E27FC236}">
-                <a16:creationId xmlns:a16="http://schemas.microsoft.com/office/drawing/2014/main" id="{10D7DF8B-4023-42D5-A5C6-C5ACE5758AD2}"/>
-              </a:ext>
-            </a:extLst>
-          </p:cNvPr>
-          <p:cNvSpPr/>
-          <p:nvPr/>
-        </p:nvSpPr>
-        <p:spPr>
-          <a:xfrm>
-            <a:off x="173244" y="5446909"/>
-            <a:ext cx="6358603" cy="2275414"/>
-          </a:xfrm>
-          <a:prstGeom prst="rect">
-            <a:avLst/>
-          </a:prstGeom>
-          <a:noFill/>
-        </p:spPr>
-        <p:style>
-          <a:lnRef idx="2">
-            <a:schemeClr val="accent1">
-              <a:shade val="50000"/>
-            </a:schemeClr>
-          </a:lnRef>
-          <a:fillRef idx="1">
-            <a:schemeClr val="accent1"/>
-          </a:fillRef>
-          <a:effectRef idx="0">
-            <a:schemeClr val="accent1"/>
-          </a:effectRef>
-          <a:fontRef idx="minor">
-            <a:schemeClr val="lt1"/>
-          </a:fontRef>
-        </p:style>
-        <p:txBody>
-          <a:bodyPr rtlCol="0" anchor="ctr"/>
-          <a:lstStyle/>
-          <a:p>
-            <a:pPr algn="ctr"/>
-            <a:endParaRPr lang="es-CL"/>
-          </a:p>
-        </p:txBody>
-      </p:sp>
-      <p:sp>
-        <p:nvSpPr>
           <p:cNvPr id="30" name="CuadroTexto 29">
             <a:extLst>
               <a:ext uri="{FF2B5EF4-FFF2-40B4-BE49-F238E27FC236}">
@@ -4365,7 +4318,7 @@
         </p:nvSpPr>
         <p:spPr>
           <a:xfrm>
-            <a:off x="304833" y="5627097"/>
+            <a:off x="255993" y="4131664"/>
             <a:ext cx="2119876" cy="461665"/>
           </a:xfrm>
           <a:prstGeom prst="rect">
@@ -4401,23 +4354,7 @@
                   <a:srgbClr val="C00000"/>
                 </a:solidFill>
               </a:rPr>
-              <a:t>pueblo ind</a:t>
-            </a:r>
-            <a:r>
-              <a:rPr lang="es-CL" sz="1200" b="1" dirty="0">
-                <a:solidFill>
-                  <a:srgbClr val="C00000"/>
-                </a:solidFill>
-              </a:rPr>
-              <a:t>í</a:t>
-            </a:r>
-            <a:r>
-              <a:rPr lang="ang-Latn-001" sz="1200" b="1" dirty="0">
-                <a:solidFill>
-                  <a:srgbClr val="C00000"/>
-                </a:solidFill>
-              </a:rPr>
-              <a:t>gena</a:t>
+              <a:t>pueblo indigena</a:t>
             </a:r>
             <a:r>
               <a:rPr lang="es-CL" sz="1200" b="1" dirty="0">
@@ -4451,7 +4388,7 @@
         </p:nvSpPr>
         <p:spPr>
           <a:xfrm>
-            <a:off x="168454" y="8098657"/>
+            <a:off x="287678" y="5253715"/>
             <a:ext cx="6317507" cy="1754326"/>
           </a:xfrm>
           <a:prstGeom prst="rect">
@@ -4655,7 +4592,7 @@
         </p:nvSpPr>
         <p:spPr>
           <a:xfrm>
-            <a:off x="2579939" y="5655989"/>
+            <a:off x="2458619" y="4130611"/>
             <a:ext cx="1402435" cy="276999"/>
           </a:xfrm>
           <a:prstGeom prst="rect">
@@ -4699,7 +4636,7 @@
         </p:nvSpPr>
         <p:spPr>
           <a:xfrm>
-            <a:off x="4537950" y="5655989"/>
+            <a:off x="4687659" y="4153571"/>
             <a:ext cx="1187954" cy="276999"/>
           </a:xfrm>
           <a:prstGeom prst="rect">
@@ -4726,274 +4663,6 @@
                 <a:srgbClr val="C00000"/>
               </a:solidFill>
             </a:endParaRPr>
-          </a:p>
-        </p:txBody>
-      </p:sp>
-      <p:sp>
-        <p:nvSpPr>
-          <p:cNvPr id="3" name="CuadroTexto 2">
-            <a:extLst>
-              <a:ext uri="{FF2B5EF4-FFF2-40B4-BE49-F238E27FC236}">
-                <a16:creationId xmlns:a16="http://schemas.microsoft.com/office/drawing/2014/main" id="{68A602B3-4882-4C6B-9528-61B8276EC0AA}"/>
-              </a:ext>
-            </a:extLst>
-          </p:cNvPr>
-          <p:cNvSpPr txBox="1"/>
-          <p:nvPr/>
-        </p:nvSpPr>
-        <p:spPr>
-          <a:xfrm>
-            <a:off x="314977" y="3834630"/>
-            <a:ext cx="1936047" cy="646331"/>
-          </a:xfrm>
-          <a:prstGeom prst="rect">
-            <a:avLst/>
-          </a:prstGeom>
-          <a:noFill/>
-        </p:spPr>
-        <p:txBody>
-          <a:bodyPr wrap="square" rtlCol="0">
-            <a:spAutoFit/>
-          </a:bodyPr>
-          <a:lstStyle/>
-          <a:p>
-            <a:r>
-              <a:rPr lang="es-CL" sz="1200" dirty="0">
-                <a:hlinkClick r:id="rId4"/>
-              </a:rPr>
-              <a:t>https://rpubs.com/dataintelligence/ttcc_pobreza_NM_interpolacion</a:t>
-            </a:r>
-            <a:endParaRPr lang="es-CL" sz="1200" dirty="0"/>
-          </a:p>
-        </p:txBody>
-      </p:sp>
-      <p:sp>
-        <p:nvSpPr>
-          <p:cNvPr id="22" name="CuadroTexto 21">
-            <a:extLst>
-              <a:ext uri="{FF2B5EF4-FFF2-40B4-BE49-F238E27FC236}">
-                <a16:creationId xmlns:a16="http://schemas.microsoft.com/office/drawing/2014/main" id="{19C7B1AA-A791-42F5-A6A5-D7BAC0BB3065}"/>
-              </a:ext>
-            </a:extLst>
-          </p:cNvPr>
-          <p:cNvSpPr txBox="1"/>
-          <p:nvPr/>
-        </p:nvSpPr>
-        <p:spPr>
-          <a:xfrm>
-            <a:off x="357367" y="6062696"/>
-            <a:ext cx="2174082" cy="1015663"/>
-          </a:xfrm>
-          <a:prstGeom prst="rect">
-            <a:avLst/>
-          </a:prstGeom>
-          <a:noFill/>
-        </p:spPr>
-        <p:txBody>
-          <a:bodyPr wrap="square" rtlCol="0">
-            <a:spAutoFit/>
-          </a:bodyPr>
-          <a:lstStyle/>
-          <a:p>
-            <a:r>
-              <a:rPr lang="es-ES" sz="1000" dirty="0">
-                <a:hlinkClick r:id="rId5"/>
-              </a:rPr>
-              <a:t>https://github.com/Sud-Austral/ds_ttcc_ok/blob/main/ttcc_buenas/Pueblos%20ind%C3%ADgenas%2C%20pertenece%20usted%20o%20es%20descendiente%20de%20alguno%20de%20ellos_etnia_27.xlsx</a:t>
-            </a:r>
-            <a:endParaRPr lang="es-ES" sz="1000" dirty="0"/>
-          </a:p>
-        </p:txBody>
-      </p:sp>
-      <p:sp>
-        <p:nvSpPr>
-          <p:cNvPr id="32" name="CuadroTexto 31">
-            <a:extLst>
-              <a:ext uri="{FF2B5EF4-FFF2-40B4-BE49-F238E27FC236}">
-                <a16:creationId xmlns:a16="http://schemas.microsoft.com/office/drawing/2014/main" id="{F9EED857-C168-4533-818A-55FC67B6FCBC}"/>
-              </a:ext>
-            </a:extLst>
-          </p:cNvPr>
-          <p:cNvSpPr txBox="1"/>
-          <p:nvPr/>
-        </p:nvSpPr>
-        <p:spPr>
-          <a:xfrm>
-            <a:off x="2595199" y="6142070"/>
-            <a:ext cx="1555750" cy="646331"/>
-          </a:xfrm>
-          <a:prstGeom prst="rect">
-            <a:avLst/>
-          </a:prstGeom>
-          <a:noFill/>
-        </p:spPr>
-        <p:txBody>
-          <a:bodyPr wrap="square" rtlCol="0">
-            <a:spAutoFit/>
-          </a:bodyPr>
-          <a:lstStyle/>
-          <a:p>
-            <a:r>
-              <a:rPr lang="es-CL" sz="1200" dirty="0">
-                <a:hlinkClick r:id="rId6"/>
-              </a:rPr>
-              <a:t>https://rpubs.com/dataintelligence/LEI_definitivo</a:t>
-            </a:r>
-            <a:endParaRPr lang="es-CL" sz="1200" dirty="0"/>
-          </a:p>
-        </p:txBody>
-      </p:sp>
-      <p:sp>
-        <p:nvSpPr>
-          <p:cNvPr id="42" name="CuadroTexto 41">
-            <a:extLst>
-              <a:ext uri="{FF2B5EF4-FFF2-40B4-BE49-F238E27FC236}">
-                <a16:creationId xmlns:a16="http://schemas.microsoft.com/office/drawing/2014/main" id="{8FD39BAC-FABB-475B-BB8E-E4C81A58577C}"/>
-              </a:ext>
-            </a:extLst>
-          </p:cNvPr>
-          <p:cNvSpPr txBox="1"/>
-          <p:nvPr/>
-        </p:nvSpPr>
-        <p:spPr>
-          <a:xfrm>
-            <a:off x="2448823" y="3551106"/>
-            <a:ext cx="2174082" cy="1569660"/>
-          </a:xfrm>
-          <a:prstGeom prst="rect">
-            <a:avLst/>
-          </a:prstGeom>
-          <a:noFill/>
-        </p:spPr>
-        <p:txBody>
-          <a:bodyPr wrap="square" rtlCol="0">
-            <a:spAutoFit/>
-          </a:bodyPr>
-          <a:lstStyle/>
-          <a:p>
-            <a:r>
-              <a:rPr lang="es-CL" sz="1200" dirty="0">
-                <a:hlinkClick r:id="rId7"/>
-              </a:rPr>
-              <a:t>https://github.com/Sud-Austral/ds_ttcc_ok/blob/main/ttcc_buenas/La%20semana%20pasada%2C%20%C2%BFtrabaj%C3%B3%20al%20menos%20una%20hora%2C%20sin%20considerar%20los%20quehaceres%20del%20hogar_etnia_9.xlsx</a:t>
-            </a:r>
-            <a:endParaRPr lang="es-CL" sz="1200" dirty="0"/>
-          </a:p>
-        </p:txBody>
-      </p:sp>
-      <p:sp>
-        <p:nvSpPr>
-          <p:cNvPr id="43" name="CuadroTexto 42">
-            <a:extLst>
-              <a:ext uri="{FF2B5EF4-FFF2-40B4-BE49-F238E27FC236}">
-                <a16:creationId xmlns:a16="http://schemas.microsoft.com/office/drawing/2014/main" id="{1B7E90FB-2C36-4B65-A506-20B0F38DB52E}"/>
-              </a:ext>
-            </a:extLst>
-          </p:cNvPr>
-          <p:cNvSpPr txBox="1"/>
-          <p:nvPr/>
-        </p:nvSpPr>
-        <p:spPr>
-          <a:xfrm>
-            <a:off x="4469513" y="6127579"/>
-            <a:ext cx="1820388" cy="1200329"/>
-          </a:xfrm>
-          <a:prstGeom prst="rect">
-            <a:avLst/>
-          </a:prstGeom>
-          <a:noFill/>
-        </p:spPr>
-        <p:txBody>
-          <a:bodyPr wrap="square" rtlCol="0">
-            <a:spAutoFit/>
-          </a:bodyPr>
-          <a:lstStyle/>
-          <a:p>
-            <a:r>
-              <a:rPr lang="es-CL" sz="1200" dirty="0">
-                <a:hlinkClick r:id="rId8"/>
-              </a:rPr>
-              <a:t>https://github.com/Sud-Austral/ds_ttcc_ok/blob/main/ttcc_buenas/Usted%20habita%20un%20territorio%20urbano%20o%20rural_etnia_1.xlsx</a:t>
-            </a:r>
-            <a:endParaRPr lang="es-CL" sz="1200" dirty="0"/>
-          </a:p>
-        </p:txBody>
-      </p:sp>
-      <p:sp>
-        <p:nvSpPr>
-          <p:cNvPr id="44" name="CuadroTexto 43">
-            <a:extLst>
-              <a:ext uri="{FF2B5EF4-FFF2-40B4-BE49-F238E27FC236}">
-                <a16:creationId xmlns:a16="http://schemas.microsoft.com/office/drawing/2014/main" id="{972A6F26-FC5A-438A-9CCA-B795894EED91}"/>
-              </a:ext>
-            </a:extLst>
-          </p:cNvPr>
-          <p:cNvSpPr txBox="1"/>
-          <p:nvPr/>
-        </p:nvSpPr>
-        <p:spPr>
-          <a:xfrm>
-            <a:off x="4831934" y="3632200"/>
-            <a:ext cx="1475733" cy="1384995"/>
-          </a:xfrm>
-          <a:prstGeom prst="rect">
-            <a:avLst/>
-          </a:prstGeom>
-          <a:noFill/>
-        </p:spPr>
-        <p:txBody>
-          <a:bodyPr wrap="square" rtlCol="0">
-            <a:spAutoFit/>
-          </a:bodyPr>
-          <a:lstStyle/>
-          <a:p>
-            <a:r>
-              <a:rPr lang="es-CL" sz="1200" dirty="0">
-                <a:hlinkClick r:id="rId9"/>
-              </a:rPr>
-              <a:t>https://github.com/Sud-Austral/ds_ttcc_ok/blob/main/ttcc_buenas/Sabe%20leer%20y%20escribir_etnia_4.xlsx</a:t>
-            </a:r>
-            <a:endParaRPr lang="es-CL" sz="1200" dirty="0"/>
-          </a:p>
-        </p:txBody>
-      </p:sp>
-      <p:sp>
-        <p:nvSpPr>
-          <p:cNvPr id="46" name="CuadroTexto 45">
-            <a:extLst>
-              <a:ext uri="{FF2B5EF4-FFF2-40B4-BE49-F238E27FC236}">
-                <a16:creationId xmlns:a16="http://schemas.microsoft.com/office/drawing/2014/main" id="{5CA3A651-6AAA-4511-9991-8A73179F687E}"/>
-              </a:ext>
-            </a:extLst>
-          </p:cNvPr>
-          <p:cNvSpPr txBox="1"/>
-          <p:nvPr/>
-        </p:nvSpPr>
-        <p:spPr>
-          <a:xfrm>
-            <a:off x="277730" y="3381851"/>
-            <a:ext cx="1627270" cy="369332"/>
-          </a:xfrm>
-          <a:prstGeom prst="rect">
-            <a:avLst/>
-          </a:prstGeom>
-          <a:noFill/>
-        </p:spPr>
-        <p:txBody>
-          <a:bodyPr wrap="square">
-            <a:spAutoFit/>
-          </a:bodyPr>
-          <a:lstStyle/>
-          <a:p>
-            <a:r>
-              <a:rPr lang="es-CL" sz="1800" dirty="0">
-                <a:solidFill>
-                  <a:srgbClr val="C00000"/>
-                </a:solidFill>
-              </a:rPr>
-              <a:t>**</a:t>
-            </a:r>
-            <a:endParaRPr lang="es-CL" dirty="0"/>
           </a:p>
         </p:txBody>
       </p:sp>
@@ -5011,8 +4680,8 @@
         </p:nvSpPr>
         <p:spPr>
           <a:xfrm>
-            <a:off x="277730" y="10345475"/>
-            <a:ext cx="6208231" cy="1569660"/>
+            <a:off x="359072" y="7812727"/>
+            <a:ext cx="6208231" cy="1815882"/>
           </a:xfrm>
           <a:prstGeom prst="rect">
             <a:avLst/>
@@ -5026,20 +4695,40 @@
           <a:lstStyle/>
           <a:p>
             <a:r>
+              <a:rPr lang="es-CL" sz="800" dirty="0" err="1">
+                <a:hlinkClick r:id="rId4"/>
+              </a:rPr>
+              <a:t>Porcentaje_de_pobreza</a:t>
+            </a:r>
+            <a:endParaRPr lang="ang-Latn-001" sz="800" dirty="0">
+              <a:hlinkClick r:id="rId4"/>
+            </a:endParaRPr>
+          </a:p>
+          <a:p>
+            <a:r>
               <a:rPr lang="es-CL" sz="800" dirty="0">
-                <a:hlinkClick r:id="rId10"/>
+                <a:hlinkClick r:id="rId4"/>
               </a:rPr>
               <a:t>https://github.com/Sud-Austral/ds_semanario/blob/main/tablas%20ppt%201-3%20Victor/ttcc_Porcentaje_de_pobreza_1.xlsx</a:t>
             </a:r>
             <a:endParaRPr lang="es-CL" sz="800" dirty="0"/>
           </a:p>
           <a:p>
+            <a:endParaRPr lang="ang-Latn-001" sz="800" dirty="0"/>
+          </a:p>
+          <a:p>
+            <a:r>
+              <a:rPr lang="es-CL" sz="800" dirty="0">
+                <a:hlinkClick r:id="rId5"/>
+              </a:rPr>
+              <a:t>trabajo_al_menos_1_hora_la_semana_pasada</a:t>
+            </a:r>
             <a:endParaRPr lang="es-CL" sz="800" dirty="0"/>
           </a:p>
           <a:p>
             <a:r>
               <a:rPr lang="es-CL" sz="800" dirty="0">
-                <a:hlinkClick r:id="rId11"/>
+                <a:hlinkClick r:id="rId5"/>
               </a:rPr>
               <a:t>https://github.com/Sud-Austral/ds_semanario/blob/main/tablas%20ppt%201-3%20Victor/ttcc_ap_trabajo_al_menos_1_hora_la_semana_pasada_2.xlsx</a:t>
             </a:r>
@@ -5051,7 +4740,7 @@
           <a:p>
             <a:r>
               <a:rPr lang="es-CL" sz="800" dirty="0">
-                <a:hlinkClick r:id="rId12"/>
+                <a:hlinkClick r:id="rId6"/>
               </a:rPr>
               <a:t>https://github.com/Sud-Austral/ds_semanario/blob/main/tablas%20ppt%201-3%20Victor/ttcc_Sabe_leer_y_escribir_3.xlsx</a:t>
             </a:r>
@@ -5063,7 +4752,7 @@
           <a:p>
             <a:r>
               <a:rPr lang="es-CL" sz="800" dirty="0">
-                <a:hlinkClick r:id="rId13"/>
+                <a:hlinkClick r:id="rId7"/>
               </a:rPr>
               <a:t>https://github.com/Sud-Austral/ds_semanario/blob/main/ap_pertenencia_a_pueblo_indigena_4.xlsx</a:t>
             </a:r>
@@ -5075,7 +4764,7 @@
           <a:p>
             <a:r>
               <a:rPr lang="es-CL" sz="800" dirty="0">
-                <a:hlinkClick r:id="rId13"/>
+                <a:hlinkClick r:id="rId7"/>
               </a:rPr>
               <a:t>https://github.com/Sud-Austral/ds_semanario/blob/main/ap_esperanza_de_vida_5.xlsx</a:t>
             </a:r>
@@ -5087,7 +4776,7 @@
           <a:p>
             <a:r>
               <a:rPr lang="es-CL" sz="800" dirty="0">
-                <a:hlinkClick r:id="rId13"/>
+                <a:hlinkClick r:id="rId7"/>
               </a:rPr>
               <a:t>https://github.com/Sud-Austral/ds_semanario/blob/main/ap_ruralidad_6.xlsx</a:t>
             </a:r>
@@ -5109,8 +4798,8 @@
         </p:nvSpPr>
         <p:spPr>
           <a:xfrm>
-            <a:off x="339601" y="9908951"/>
-            <a:ext cx="5950300" cy="369332"/>
+            <a:off x="119489" y="571236"/>
+            <a:ext cx="5950300" cy="461665"/>
           </a:xfrm>
           <a:prstGeom prst="rect">
             <a:avLst/>
@@ -5124,18 +4813,234 @@
           <a:lstStyle/>
           <a:p>
             <a:r>
-              <a:rPr lang="ang-Latn-001" dirty="0"/>
+              <a:rPr lang="ang-Latn-001" sz="1200" b="1" dirty="0"/>
               <a:t>Tablas que unen areas protegidas a data sociodemogr</a:t>
             </a:r>
             <a:r>
-              <a:rPr lang="es-CL" dirty="0"/>
+              <a:rPr lang="es-CL" sz="1200" b="1" dirty="0"/>
               <a:t>á</a:t>
             </a:r>
             <a:r>
-              <a:rPr lang="ang-Latn-001" dirty="0"/>
-              <a:t>fica</a:t>
-            </a:r>
-            <a:endParaRPr lang="es-CL" dirty="0"/>
+              <a:rPr lang="ang-Latn-001" sz="1200" b="1" dirty="0"/>
+              <a:t>fica.</a:t>
+            </a:r>
+          </a:p>
+          <a:p>
+            <a:r>
+              <a:rPr lang="ang-Latn-001" sz="1200" b="1" dirty="0"/>
+              <a:t>Son las tablas que Naty debe descargar</a:t>
+            </a:r>
+            <a:endParaRPr lang="es-CL" sz="1200" b="1" dirty="0"/>
+          </a:p>
+        </p:txBody>
+      </p:sp>
+      <p:sp>
+        <p:nvSpPr>
+          <p:cNvPr id="27" name="CuadroTexto 26">
+            <a:extLst>
+              <a:ext uri="{FF2B5EF4-FFF2-40B4-BE49-F238E27FC236}">
+                <a16:creationId xmlns:a16="http://schemas.microsoft.com/office/drawing/2014/main" id="{3711C8AC-F18E-44DE-A1B8-F7D2781D8F1A}"/>
+              </a:ext>
+            </a:extLst>
+          </p:cNvPr>
+          <p:cNvSpPr txBox="1"/>
+          <p:nvPr/>
+        </p:nvSpPr>
+        <p:spPr>
+          <a:xfrm>
+            <a:off x="274343" y="3452739"/>
+            <a:ext cx="1994218" cy="584775"/>
+          </a:xfrm>
+          <a:prstGeom prst="rect">
+            <a:avLst/>
+          </a:prstGeom>
+          <a:noFill/>
+        </p:spPr>
+        <p:txBody>
+          <a:bodyPr wrap="square" rtlCol="0">
+            <a:spAutoFit/>
+          </a:bodyPr>
+          <a:lstStyle/>
+          <a:p>
+            <a:r>
+              <a:rPr lang="es-CL" sz="800" dirty="0"/>
+              <a:t>https://github.com/Sud-Austral/ds_semanario/blob/main/tablas%20socioeconomicas%20al%20semanario/ap_Porcentaje_de_pobreza_1.xlsx</a:t>
+            </a:r>
+          </a:p>
+        </p:txBody>
+      </p:sp>
+      <p:sp>
+        <p:nvSpPr>
+          <p:cNvPr id="38" name="CuadroTexto 37">
+            <a:extLst>
+              <a:ext uri="{FF2B5EF4-FFF2-40B4-BE49-F238E27FC236}">
+                <a16:creationId xmlns:a16="http://schemas.microsoft.com/office/drawing/2014/main" id="{61D4D628-5499-4EB5-99E7-EA192E46F036}"/>
+              </a:ext>
+            </a:extLst>
+          </p:cNvPr>
+          <p:cNvSpPr txBox="1"/>
+          <p:nvPr/>
+        </p:nvSpPr>
+        <p:spPr>
+          <a:xfrm>
+            <a:off x="2398756" y="3476344"/>
+            <a:ext cx="1994218" cy="707886"/>
+          </a:xfrm>
+          <a:prstGeom prst="rect">
+            <a:avLst/>
+          </a:prstGeom>
+          <a:noFill/>
+        </p:spPr>
+        <p:txBody>
+          <a:bodyPr wrap="square" rtlCol="0">
+            <a:spAutoFit/>
+          </a:bodyPr>
+          <a:lstStyle/>
+          <a:p>
+            <a:r>
+              <a:rPr lang="es-CL" sz="800" dirty="0"/>
+              <a:t>https://github.com/Sud-Austral/ds_semanario/blob/main/tablas%20socioeconomicas%20al%20semanario/ap_trabajo_al_menos_1_hora_la_semana_pasada_2.xlsx</a:t>
+            </a:r>
+          </a:p>
+        </p:txBody>
+      </p:sp>
+      <p:sp>
+        <p:nvSpPr>
+          <p:cNvPr id="39" name="CuadroTexto 38">
+            <a:extLst>
+              <a:ext uri="{FF2B5EF4-FFF2-40B4-BE49-F238E27FC236}">
+                <a16:creationId xmlns:a16="http://schemas.microsoft.com/office/drawing/2014/main" id="{ED44690D-6518-4C6A-BD3F-4B93879B8137}"/>
+              </a:ext>
+            </a:extLst>
+          </p:cNvPr>
+          <p:cNvSpPr txBox="1"/>
+          <p:nvPr/>
+        </p:nvSpPr>
+        <p:spPr>
+          <a:xfrm>
+            <a:off x="4382598" y="3558097"/>
+            <a:ext cx="1994218" cy="584775"/>
+          </a:xfrm>
+          <a:prstGeom prst="rect">
+            <a:avLst/>
+          </a:prstGeom>
+          <a:noFill/>
+        </p:spPr>
+        <p:txBody>
+          <a:bodyPr wrap="square" rtlCol="0">
+            <a:spAutoFit/>
+          </a:bodyPr>
+          <a:lstStyle/>
+          <a:p>
+            <a:r>
+              <a:rPr lang="es-CL" sz="800" dirty="0"/>
+              <a:t>https://github.com/Sud-Austral/ds_semanario/blob/main/tablas%20socioeconomicas%20al%20semanario/ap_Sabe_leer_y_escribir_3.xlsx</a:t>
+            </a:r>
+          </a:p>
+        </p:txBody>
+      </p:sp>
+      <p:sp>
+        <p:nvSpPr>
+          <p:cNvPr id="40" name="CuadroTexto 39">
+            <a:extLst>
+              <a:ext uri="{FF2B5EF4-FFF2-40B4-BE49-F238E27FC236}">
+                <a16:creationId xmlns:a16="http://schemas.microsoft.com/office/drawing/2014/main" id="{B6402367-CB48-480F-B4DC-8A0562B2C812}"/>
+              </a:ext>
+            </a:extLst>
+          </p:cNvPr>
+          <p:cNvSpPr txBox="1"/>
+          <p:nvPr/>
+        </p:nvSpPr>
+        <p:spPr>
+          <a:xfrm>
+            <a:off x="287678" y="4516922"/>
+            <a:ext cx="1994218" cy="584775"/>
+          </a:xfrm>
+          <a:prstGeom prst="rect">
+            <a:avLst/>
+          </a:prstGeom>
+          <a:noFill/>
+        </p:spPr>
+        <p:txBody>
+          <a:bodyPr wrap="square" rtlCol="0">
+            <a:spAutoFit/>
+          </a:bodyPr>
+          <a:lstStyle/>
+          <a:p>
+            <a:r>
+              <a:rPr lang="es-CL" sz="800" dirty="0"/>
+              <a:t>https://github.com/Sud-Austral/ds_semanario/blob/main/tablas%20socioeconomicas%20al%20semanario/ap_pertenencia_a_pueblo_indigena_4.xlsx</a:t>
+            </a:r>
+          </a:p>
+        </p:txBody>
+      </p:sp>
+      <p:sp>
+        <p:nvSpPr>
+          <p:cNvPr id="45" name="CuadroTexto 44">
+            <a:extLst>
+              <a:ext uri="{FF2B5EF4-FFF2-40B4-BE49-F238E27FC236}">
+                <a16:creationId xmlns:a16="http://schemas.microsoft.com/office/drawing/2014/main" id="{6FFBA784-AC19-46E5-B1F2-DE76BFBB4E8A}"/>
+              </a:ext>
+            </a:extLst>
+          </p:cNvPr>
+          <p:cNvSpPr txBox="1"/>
+          <p:nvPr/>
+        </p:nvSpPr>
+        <p:spPr>
+          <a:xfrm>
+            <a:off x="2407944" y="4480720"/>
+            <a:ext cx="1994218" cy="584775"/>
+          </a:xfrm>
+          <a:prstGeom prst="rect">
+            <a:avLst/>
+          </a:prstGeom>
+          <a:noFill/>
+        </p:spPr>
+        <p:txBody>
+          <a:bodyPr wrap="square" rtlCol="0">
+            <a:spAutoFit/>
+          </a:bodyPr>
+          <a:lstStyle/>
+          <a:p>
+            <a:r>
+              <a:rPr lang="es-CL" sz="800" dirty="0"/>
+              <a:t>https://github.com/Sud-Austral/ds_semanario/blob/main/tablas%20socioeconomicas%20al%20semanario/ap_pertenencia_a_pueblo_indigena_4.xlsx</a:t>
+            </a:r>
+          </a:p>
+        </p:txBody>
+      </p:sp>
+      <p:sp>
+        <p:nvSpPr>
+          <p:cNvPr id="47" name="CuadroTexto 46">
+            <a:extLst>
+              <a:ext uri="{FF2B5EF4-FFF2-40B4-BE49-F238E27FC236}">
+                <a16:creationId xmlns:a16="http://schemas.microsoft.com/office/drawing/2014/main" id="{D93514E8-8112-475C-8C9A-10CC51F9726D}"/>
+              </a:ext>
+            </a:extLst>
+          </p:cNvPr>
+          <p:cNvSpPr txBox="1"/>
+          <p:nvPr/>
+        </p:nvSpPr>
+        <p:spPr>
+          <a:xfrm>
+            <a:off x="4284527" y="4438063"/>
+            <a:ext cx="1994218" cy="584775"/>
+          </a:xfrm>
+          <a:prstGeom prst="rect">
+            <a:avLst/>
+          </a:prstGeom>
+          <a:noFill/>
+        </p:spPr>
+        <p:txBody>
+          <a:bodyPr wrap="square" rtlCol="0">
+            <a:spAutoFit/>
+          </a:bodyPr>
+          <a:lstStyle/>
+          <a:p>
+            <a:r>
+              <a:rPr lang="es-CL" sz="800" dirty="0"/>
+              <a:t>https://github.com/Sud-Austral/ds_semanario/blob/main/tablas%20socioeconomicas%20al%20semanario/ap_ruralidad_6.xlsx</a:t>
+            </a:r>
           </a:p>
         </p:txBody>
       </p:sp>

--- a/Diseño_Semanario_Web 1.0.pptx
+++ b/Diseño_Semanario_Web 1.0.pptx
@@ -3658,7 +3658,7 @@
         </p:nvSpPr>
         <p:spPr>
           <a:xfrm>
-            <a:off x="583141" y="974606"/>
+            <a:off x="506260" y="1174200"/>
             <a:ext cx="5596466" cy="1015663"/>
           </a:xfrm>
           <a:prstGeom prst="rect">
@@ -4096,6 +4096,19 @@
               </a:rPr>
               <a:t>*</a:t>
             </a:r>
+            <a:r>
+              <a:rPr lang="ang-Latn-001" sz="1200" b="1" dirty="0">
+                <a:solidFill>
+                  <a:srgbClr val="C00000"/>
+                </a:solidFill>
+              </a:rPr>
+              <a:t>*</a:t>
+            </a:r>
+            <a:endParaRPr lang="es-CL" sz="1200" b="1" dirty="0">
+              <a:solidFill>
+                <a:srgbClr val="C00000"/>
+              </a:solidFill>
+            </a:endParaRPr>
           </a:p>
           <a:p>
             <a:endParaRPr lang="es-ES" sz="1200" b="1" dirty="0"/>
@@ -4388,8 +4401,8 @@
         </p:nvSpPr>
         <p:spPr>
           <a:xfrm>
-            <a:off x="287678" y="5253715"/>
-            <a:ext cx="6317507" cy="1754326"/>
+            <a:off x="168454" y="6096000"/>
+            <a:ext cx="6317507" cy="1384995"/>
           </a:xfrm>
           <a:prstGeom prst="rect">
             <a:avLst/>
@@ -4424,48 +4437,25 @@
             </a:r>
             <a:r>
               <a:rPr lang="ang-Latn-001" sz="1200" dirty="0"/>
-              <a:t>: por eso se interpola</a:t>
-            </a:r>
-          </a:p>
-          <a:p>
+              <a:t>: </a:t>
+            </a:r>
+          </a:p>
+          <a:p>
+            <a:r>
+              <a:rPr lang="es-CL" sz="1200" dirty="0"/>
+              <a:t>P</a:t>
+            </a:r>
             <a:r>
               <a:rPr lang="ang-Latn-001" sz="1200" dirty="0"/>
-              <a:t>y queda la data disponibilizada a</a:t>
+              <a:t>ara ello se interpola con los datos que tenemos constru</a:t>
             </a:r>
             <a:r>
               <a:rPr lang="es-CL" sz="1200" dirty="0" err="1"/>
-              <a:t>ño</a:t>
+              <a:t>ídos</a:t>
             </a:r>
             <a:r>
               <a:rPr lang="es-CL" sz="1200" dirty="0"/>
-              <a:t> a año </a:t>
-            </a:r>
-            <a:r>
-              <a:rPr lang="es-CL" sz="1200" dirty="0">
-                <a:solidFill>
-                  <a:srgbClr val="FF0000"/>
-                </a:solidFill>
-              </a:rPr>
-              <a:t>cuando existe</a:t>
-            </a:r>
-            <a:r>
-              <a:rPr lang="es-CL" sz="1200" dirty="0"/>
-              <a:t>.</a:t>
-            </a:r>
-            <a:endParaRPr lang="ang-Latn-001" sz="1200" dirty="0"/>
-          </a:p>
-          <a:p>
-            <a:r>
-              <a:rPr lang="ang-Latn-001" sz="1200" dirty="0"/>
-              <a:t>La </a:t>
-            </a:r>
-            <a:r>
-              <a:rPr lang="es-CL" sz="1200" dirty="0"/>
-              <a:t>data interpolada disponible</a:t>
-            </a:r>
-            <a:r>
-              <a:rPr lang="ang-Latn-001" sz="1200" dirty="0"/>
-              <a:t> se encuentran en</a:t>
+              <a:t> que a la fecha son</a:t>
             </a:r>
             <a:r>
               <a:rPr lang="ang-Latn" sz="1200" dirty="0"/>
@@ -4474,12 +4464,19 @@
           </a:p>
           <a:p>
             <a:r>
-              <a:rPr lang="es-CL" sz="1200" dirty="0">
-                <a:hlinkClick r:id="rId3"/>
-              </a:rPr>
-              <a:t>https://github.com/Sud-Austral/ds_ttcc_ok/tree/main/interpoladas_buenas </a:t>
-            </a:r>
-            <a:endParaRPr lang="es-CL" sz="1200" dirty="0"/>
+              <a:rPr lang="ang-Latn" sz="1200" dirty="0"/>
+              <a:t>1 % de pobreza.</a:t>
+            </a:r>
+          </a:p>
+          <a:p>
+            <a:r>
+              <a:rPr lang="ang-Latn" sz="1200" dirty="0"/>
+              <a:t>2. Esperanza de vida</a:t>
+            </a:r>
+            <a:r>
+              <a:rPr lang="ang-Latn-001" sz="1200" dirty="0"/>
+              <a:t>.</a:t>
+            </a:r>
           </a:p>
           <a:p>
             <a:r>
@@ -4560,21 +4557,6 @@
               </a:rPr>
               <a:t>y alfabetismo.</a:t>
             </a:r>
-          </a:p>
-          <a:p>
-            <a:r>
-              <a:rPr lang="ang-Latn-001" sz="1200" dirty="0"/>
-              <a:t>* E</a:t>
-            </a:r>
-            <a:r>
-              <a:rPr lang="es-MX" sz="1200" dirty="0"/>
-              <a:t>n las tablas que están construídas mediante interpolación: esperanza de vida y porcentaje de pobreza no hay filtros que hacer</a:t>
-            </a:r>
-            <a:r>
-              <a:rPr lang="ang-Latn-001" sz="1200" dirty="0"/>
-              <a:t>.</a:t>
-            </a:r>
-            <a:endParaRPr lang="es-CL" sz="1200" dirty="0"/>
           </a:p>
         </p:txBody>
       </p:sp>
@@ -4593,7 +4575,7 @@
         <p:spPr>
           <a:xfrm>
             <a:off x="2458619" y="4130611"/>
-            <a:ext cx="1402435" cy="276999"/>
+            <a:ext cx="1479379" cy="276999"/>
           </a:xfrm>
           <a:prstGeom prst="rect">
             <a:avLst/>
@@ -4613,6 +4595,14 @@
                 </a:solidFill>
               </a:rPr>
               <a:t>Esperanza de vida*</a:t>
+            </a:r>
+            <a:r>
+              <a:rPr lang="ang-Latn-001" sz="1200" b="1" dirty="0">
+                <a:solidFill>
+                  <a:srgbClr val="C00000"/>
+                </a:solidFill>
+              </a:rPr>
+              <a:t>*</a:t>
             </a:r>
             <a:endParaRPr lang="es-ES" sz="1200" dirty="0">
               <a:solidFill>
@@ -4668,124 +4658,6 @@
       </p:sp>
       <p:sp>
         <p:nvSpPr>
-          <p:cNvPr id="2" name="CuadroTexto 1">
-            <a:extLst>
-              <a:ext uri="{FF2B5EF4-FFF2-40B4-BE49-F238E27FC236}">
-                <a16:creationId xmlns:a16="http://schemas.microsoft.com/office/drawing/2014/main" id="{47A19BB3-F3DF-4D95-9910-B341B9B2274F}"/>
-              </a:ext>
-            </a:extLst>
-          </p:cNvPr>
-          <p:cNvSpPr txBox="1"/>
-          <p:nvPr/>
-        </p:nvSpPr>
-        <p:spPr>
-          <a:xfrm>
-            <a:off x="359072" y="7812727"/>
-            <a:ext cx="6208231" cy="1815882"/>
-          </a:xfrm>
-          <a:prstGeom prst="rect">
-            <a:avLst/>
-          </a:prstGeom>
-          <a:noFill/>
-        </p:spPr>
-        <p:txBody>
-          <a:bodyPr wrap="square" rtlCol="0">
-            <a:spAutoFit/>
-          </a:bodyPr>
-          <a:lstStyle/>
-          <a:p>
-            <a:r>
-              <a:rPr lang="es-CL" sz="800" dirty="0" err="1">
-                <a:hlinkClick r:id="rId4"/>
-              </a:rPr>
-              <a:t>Porcentaje_de_pobreza</a:t>
-            </a:r>
-            <a:endParaRPr lang="ang-Latn-001" sz="800" dirty="0">
-              <a:hlinkClick r:id="rId4"/>
-            </a:endParaRPr>
-          </a:p>
-          <a:p>
-            <a:r>
-              <a:rPr lang="es-CL" sz="800" dirty="0">
-                <a:hlinkClick r:id="rId4"/>
-              </a:rPr>
-              <a:t>https://github.com/Sud-Austral/ds_semanario/blob/main/tablas%20ppt%201-3%20Victor/ttcc_Porcentaje_de_pobreza_1.xlsx</a:t>
-            </a:r>
-            <a:endParaRPr lang="es-CL" sz="800" dirty="0"/>
-          </a:p>
-          <a:p>
-            <a:endParaRPr lang="ang-Latn-001" sz="800" dirty="0"/>
-          </a:p>
-          <a:p>
-            <a:r>
-              <a:rPr lang="es-CL" sz="800" dirty="0">
-                <a:hlinkClick r:id="rId5"/>
-              </a:rPr>
-              <a:t>trabajo_al_menos_1_hora_la_semana_pasada</a:t>
-            </a:r>
-            <a:endParaRPr lang="es-CL" sz="800" dirty="0"/>
-          </a:p>
-          <a:p>
-            <a:r>
-              <a:rPr lang="es-CL" sz="800" dirty="0">
-                <a:hlinkClick r:id="rId5"/>
-              </a:rPr>
-              <a:t>https://github.com/Sud-Austral/ds_semanario/blob/main/tablas%20ppt%201-3%20Victor/ttcc_ap_trabajo_al_menos_1_hora_la_semana_pasada_2.xlsx</a:t>
-            </a:r>
-            <a:endParaRPr lang="es-CL" sz="800" dirty="0"/>
-          </a:p>
-          <a:p>
-            <a:endParaRPr lang="es-CL" sz="800" dirty="0"/>
-          </a:p>
-          <a:p>
-            <a:r>
-              <a:rPr lang="es-CL" sz="800" dirty="0">
-                <a:hlinkClick r:id="rId6"/>
-              </a:rPr>
-              <a:t>https://github.com/Sud-Austral/ds_semanario/blob/main/tablas%20ppt%201-3%20Victor/ttcc_Sabe_leer_y_escribir_3.xlsx</a:t>
-            </a:r>
-            <a:endParaRPr lang="es-CL" sz="800" dirty="0"/>
-          </a:p>
-          <a:p>
-            <a:endParaRPr lang="es-CL" sz="800" dirty="0"/>
-          </a:p>
-          <a:p>
-            <a:r>
-              <a:rPr lang="es-CL" sz="800" dirty="0">
-                <a:hlinkClick r:id="rId7"/>
-              </a:rPr>
-              <a:t>https://github.com/Sud-Austral/ds_semanario/blob/main/ap_pertenencia_a_pueblo_indigena_4.xlsx</a:t>
-            </a:r>
-            <a:endParaRPr lang="es-CL" sz="800" dirty="0"/>
-          </a:p>
-          <a:p>
-            <a:endParaRPr lang="es-CL" sz="800" dirty="0"/>
-          </a:p>
-          <a:p>
-            <a:r>
-              <a:rPr lang="es-CL" sz="800" dirty="0">
-                <a:hlinkClick r:id="rId7"/>
-              </a:rPr>
-              <a:t>https://github.com/Sud-Austral/ds_semanario/blob/main/ap_esperanza_de_vida_5.xlsx</a:t>
-            </a:r>
-            <a:endParaRPr lang="es-CL" sz="800" dirty="0"/>
-          </a:p>
-          <a:p>
-            <a:endParaRPr lang="es-CL" sz="800" dirty="0"/>
-          </a:p>
-          <a:p>
-            <a:r>
-              <a:rPr lang="es-CL" sz="800" dirty="0">
-                <a:hlinkClick r:id="rId7"/>
-              </a:rPr>
-              <a:t>https://github.com/Sud-Austral/ds_semanario/blob/main/ap_ruralidad_6.xlsx</a:t>
-            </a:r>
-            <a:endParaRPr lang="es-CL" sz="800" dirty="0"/>
-          </a:p>
-        </p:txBody>
-      </p:sp>
-      <p:sp>
-        <p:nvSpPr>
           <p:cNvPr id="8" name="CuadroTexto 7">
             <a:extLst>
               <a:ext uri="{FF2B5EF4-FFF2-40B4-BE49-F238E27FC236}">
@@ -4828,7 +4700,7 @@
           <a:p>
             <a:r>
               <a:rPr lang="ang-Latn-001" sz="1200" b="1" dirty="0"/>
-              <a:t>Son las tablas que Naty debe descargar</a:t>
+              <a:t>Son las tablas que a Naty le interesan</a:t>
             </a:r>
             <a:endParaRPr lang="es-CL" sz="1200" b="1" dirty="0"/>
           </a:p>
@@ -4863,9 +4735,12 @@
           <a:lstStyle/>
           <a:p>
             <a:r>
-              <a:rPr lang="es-CL" sz="800" dirty="0"/>
+              <a:rPr lang="es-CL" sz="800" dirty="0">
+                <a:hlinkClick r:id="rId3"/>
+              </a:rPr>
               <a:t>https://github.com/Sud-Austral/ds_semanario/blob/main/tablas%20socioeconomicas%20al%20semanario/ap_Porcentaje_de_pobreza_1.xlsx</a:t>
             </a:r>
+            <a:endParaRPr lang="es-CL" sz="800" dirty="0"/>
           </a:p>
         </p:txBody>
       </p:sp>
@@ -4898,9 +4773,12 @@
           <a:lstStyle/>
           <a:p>
             <a:r>
-              <a:rPr lang="es-CL" sz="800" dirty="0"/>
+              <a:rPr lang="es-CL" sz="800" dirty="0">
+                <a:hlinkClick r:id="rId4"/>
+              </a:rPr>
               <a:t>https://github.com/Sud-Austral/ds_semanario/blob/main/tablas%20socioeconomicas%20al%20semanario/ap_trabajo_al_menos_1_hora_la_semana_pasada_2.xlsx</a:t>
             </a:r>
+            <a:endParaRPr lang="es-CL" sz="800" dirty="0"/>
           </a:p>
         </p:txBody>
       </p:sp>
@@ -4933,9 +4811,12 @@
           <a:lstStyle/>
           <a:p>
             <a:r>
-              <a:rPr lang="es-CL" sz="800" dirty="0"/>
+              <a:rPr lang="es-CL" sz="800" dirty="0">
+                <a:hlinkClick r:id="rId5"/>
+              </a:rPr>
               <a:t>https://github.com/Sud-Austral/ds_semanario/blob/main/tablas%20socioeconomicas%20al%20semanario/ap_Sabe_leer_y_escribir_3.xlsx</a:t>
             </a:r>
+            <a:endParaRPr lang="es-CL" sz="800" dirty="0"/>
           </a:p>
         </p:txBody>
       </p:sp>
@@ -4968,9 +4849,12 @@
           <a:lstStyle/>
           <a:p>
             <a:r>
-              <a:rPr lang="es-CL" sz="800" dirty="0"/>
+              <a:rPr lang="es-CL" sz="800" dirty="0">
+                <a:hlinkClick r:id="rId6"/>
+              </a:rPr>
               <a:t>https://github.com/Sud-Austral/ds_semanario/blob/main/tablas%20socioeconomicas%20al%20semanario/ap_pertenencia_a_pueblo_indigena_4.xlsx</a:t>
             </a:r>
+            <a:endParaRPr lang="es-CL" sz="800" dirty="0"/>
           </a:p>
         </p:txBody>
       </p:sp>
@@ -5003,9 +4887,12 @@
           <a:lstStyle/>
           <a:p>
             <a:r>
-              <a:rPr lang="es-CL" sz="800" dirty="0"/>
+              <a:rPr lang="es-CL" sz="800" dirty="0">
+                <a:hlinkClick r:id="rId6"/>
+              </a:rPr>
               <a:t>https://github.com/Sud-Austral/ds_semanario/blob/main/tablas%20socioeconomicas%20al%20semanario/ap_pertenencia_a_pueblo_indigena_4.xlsx</a:t>
             </a:r>
+            <a:endParaRPr lang="es-CL" sz="800" dirty="0"/>
           </a:p>
         </p:txBody>
       </p:sp>
@@ -5023,7 +4910,7 @@
         </p:nvSpPr>
         <p:spPr>
           <a:xfrm>
-            <a:off x="4284527" y="4438063"/>
+            <a:off x="4284527" y="4491942"/>
             <a:ext cx="1994218" cy="584775"/>
           </a:xfrm>
           <a:prstGeom prst="rect">
@@ -5038,9 +4925,12 @@
           <a:lstStyle/>
           <a:p>
             <a:r>
-              <a:rPr lang="es-CL" sz="800" dirty="0"/>
+              <a:rPr lang="es-CL" sz="800" dirty="0">
+                <a:hlinkClick r:id="rId7"/>
+              </a:rPr>
               <a:t>https://github.com/Sud-Austral/ds_semanario/blob/main/tablas%20socioeconomicas%20al%20semanario/ap_ruralidad_6.xlsx</a:t>
             </a:r>
+            <a:endParaRPr lang="es-CL" sz="800" dirty="0"/>
           </a:p>
         </p:txBody>
       </p:sp>

--- a/Diseño_Semanario_Web 1.0.pptx
+++ b/Diseño_Semanario_Web 1.0.pptx
@@ -4888,9 +4888,9 @@
           <a:p>
             <a:r>
               <a:rPr lang="es-CL" sz="800" dirty="0">
-                <a:hlinkClick r:id="rId6"/>
+                <a:hlinkClick r:id="rId7"/>
               </a:rPr>
-              <a:t>https://github.com/Sud-Austral/ds_semanario/blob/main/tablas%20socioeconomicas%20al%20semanario/ap_pertenencia_a_pueblo_indigena_4.xlsx</a:t>
+              <a:t>https://github.com/Sud-Austral/ds_semanario/blob/main/tablas%20socioeconomicas%20al%20semanario/ap_esperanza_de_vida_5.xlsx</a:t>
             </a:r>
             <a:endParaRPr lang="es-CL" sz="800" dirty="0"/>
           </a:p>
@@ -4926,7 +4926,7 @@
           <a:p>
             <a:r>
               <a:rPr lang="es-CL" sz="800" dirty="0">
-                <a:hlinkClick r:id="rId7"/>
+                <a:hlinkClick r:id="rId8"/>
               </a:rPr>
               <a:t>https://github.com/Sud-Austral/ds_semanario/blob/main/tablas%20socioeconomicas%20al%20semanario/ap_ruralidad_6.xlsx</a:t>
             </a:r>

--- a/Diseño_Semanario_Web 1.0.pptx
+++ b/Diseño_Semanario_Web 1.0.pptx
@@ -3839,8 +3839,8 @@
         </p:nvSpPr>
         <p:spPr>
           <a:xfrm>
-            <a:off x="173242" y="1019643"/>
-            <a:ext cx="6358605" cy="4299118"/>
+            <a:off x="173242" y="1019642"/>
+            <a:ext cx="6358605" cy="5076357"/>
           </a:xfrm>
           <a:prstGeom prst="rect">
             <a:avLst/>
@@ -4067,7 +4067,7 @@
         <p:spPr>
           <a:xfrm>
             <a:off x="289103" y="2872690"/>
-            <a:ext cx="1782151" cy="461665"/>
+            <a:ext cx="1782151" cy="584775"/>
           </a:xfrm>
           <a:prstGeom prst="rect">
             <a:avLst/>
@@ -4111,7 +4111,10 @@
             </a:endParaRPr>
           </a:p>
           <a:p>
-            <a:endParaRPr lang="es-ES" sz="1200" b="1" dirty="0"/>
+            <a:r>
+              <a:rPr lang="es-CL" sz="1000" dirty="0"/>
+              <a:t>La pobreza incluye la no pobreza y la pobreza extrema</a:t>
+            </a:r>
           </a:p>
         </p:txBody>
       </p:sp>
@@ -4171,7 +4174,7 @@
         <p:spPr>
           <a:xfrm>
             <a:off x="4831934" y="2891524"/>
-            <a:ext cx="1538691" cy="646331"/>
+            <a:ext cx="1314784" cy="584775"/>
           </a:xfrm>
           <a:prstGeom prst="rect">
             <a:avLst/>
@@ -4211,28 +4214,28 @@
           </a:p>
           <a:p>
             <a:r>
-              <a:rPr lang="es-CL" sz="1200" b="1" dirty="0"/>
+              <a:rPr lang="es-CL" sz="1000" dirty="0"/>
               <a:t>Sabe leer y escribir</a:t>
             </a:r>
             <a:r>
-              <a:rPr lang="ang-Latn" sz="1200" b="1" dirty="0"/>
+              <a:rPr lang="ang-Latn" sz="1000" dirty="0"/>
               <a:t>?</a:t>
             </a:r>
           </a:p>
           <a:p>
             <a:r>
-              <a:rPr lang="es-CL" sz="1200" b="1" dirty="0"/>
+              <a:rPr lang="es-CL" sz="1000" dirty="0"/>
               <a:t>P</a:t>
             </a:r>
             <a:r>
-              <a:rPr lang="ang-Latn" sz="1200" b="1" dirty="0"/>
+              <a:rPr lang="ang-Latn" sz="1000" dirty="0"/>
               <a:t>or etnia y migraci</a:t>
             </a:r>
             <a:r>
-              <a:rPr lang="es-CL" sz="1200" b="1" dirty="0"/>
+              <a:rPr lang="es-CL" sz="1000" dirty="0"/>
               <a:t>ón</a:t>
             </a:r>
-            <a:endParaRPr lang="es-ES" sz="1200" dirty="0"/>
+            <a:endParaRPr lang="es-ES" sz="1000" dirty="0"/>
           </a:p>
         </p:txBody>
       </p:sp>
@@ -4251,7 +4254,7 @@
         <p:spPr>
           <a:xfrm>
             <a:off x="2584450" y="2876244"/>
-            <a:ext cx="1902829" cy="646331"/>
+            <a:ext cx="1661032" cy="584775"/>
           </a:xfrm>
           <a:prstGeom prst="rect">
             <a:avLst/>
@@ -4299,21 +4302,21 @@
           </a:p>
           <a:p>
             <a:r>
-              <a:rPr lang="es-CL" sz="1200" b="1" dirty="0"/>
+              <a:rPr lang="es-CL" sz="1000" dirty="0"/>
               <a:t>Trabajó al menos 1 hora la </a:t>
             </a:r>
-            <a:endParaRPr lang="ang-Latn-001" sz="1200" b="1" dirty="0"/>
-          </a:p>
-          <a:p>
-            <a:r>
-              <a:rPr lang="es-CL" sz="1200" b="1" dirty="0"/>
+            <a:endParaRPr lang="ang-Latn-001" sz="1000" dirty="0"/>
+          </a:p>
+          <a:p>
+            <a:r>
+              <a:rPr lang="es-CL" sz="1000" dirty="0"/>
               <a:t>semana pasada</a:t>
             </a:r>
             <a:r>
-              <a:rPr lang="ang-Latn" sz="1200" b="1" dirty="0"/>
+              <a:rPr lang="ang-Latn" sz="1000" dirty="0"/>
               <a:t>?</a:t>
             </a:r>
-            <a:endParaRPr lang="es-ES" sz="1200" dirty="0"/>
+            <a:endParaRPr lang="es-ES" sz="1000" dirty="0"/>
           </a:p>
         </p:txBody>
       </p:sp>
@@ -4332,7 +4335,7 @@
         <p:spPr>
           <a:xfrm>
             <a:off x="255993" y="4131664"/>
-            <a:ext cx="2119876" cy="461665"/>
+            <a:ext cx="1987732" cy="769441"/>
           </a:xfrm>
           <a:prstGeom prst="rect">
             <a:avLst/>
@@ -4340,7 +4343,7 @@
           <a:noFill/>
         </p:spPr>
         <p:txBody>
-          <a:bodyPr wrap="none" rtlCol="0">
+          <a:bodyPr wrap="square" rtlCol="0">
             <a:spAutoFit/>
           </a:bodyPr>
           <a:lstStyle/>
@@ -4379,11 +4382,16 @@
             </a:r>
           </a:p>
           <a:p>
-            <a:endParaRPr lang="es-CL" sz="1200" b="1" dirty="0">
-              <a:solidFill>
-                <a:srgbClr val="C00000"/>
-              </a:solidFill>
-            </a:endParaRPr>
+            <a:r>
+              <a:rPr lang="es-CL" sz="1000" dirty="0"/>
+              <a:t>La pobreza incluye la no pobreza</a:t>
+            </a:r>
+          </a:p>
+          <a:p>
+            <a:r>
+              <a:rPr lang="es-CL" sz="1000" dirty="0"/>
+              <a:t> y la pobreza extrema</a:t>
+            </a:r>
           </a:p>
         </p:txBody>
       </p:sp>
@@ -4401,7 +4409,7 @@
         </p:nvSpPr>
         <p:spPr>
           <a:xfrm>
-            <a:off x="168454" y="6096000"/>
+            <a:off x="193790" y="6515296"/>
             <a:ext cx="6317507" cy="1384995"/>
           </a:xfrm>
           <a:prstGeom prst="rect">
@@ -4574,8 +4582,8 @@
         </p:nvSpPr>
         <p:spPr>
           <a:xfrm>
-            <a:off x="2458619" y="4130611"/>
-            <a:ext cx="1479379" cy="276999"/>
+            <a:off x="2574126" y="4224789"/>
+            <a:ext cx="1556836" cy="430887"/>
           </a:xfrm>
           <a:prstGeom prst="rect">
             <a:avLst/>
@@ -4604,11 +4612,13 @@
               </a:rPr>
               <a:t>*</a:t>
             </a:r>
-            <a:endParaRPr lang="es-ES" sz="1200" dirty="0">
-              <a:solidFill>
-                <a:srgbClr val="C00000"/>
-              </a:solidFill>
-            </a:endParaRPr>
+            <a:endParaRPr lang="es-CL" sz="1000" dirty="0"/>
+          </a:p>
+          <a:p>
+            <a:r>
+              <a:rPr lang="es-ES" sz="1000" dirty="0"/>
+              <a:t>Esperanza de vida al nacer</a:t>
+            </a:r>
           </a:p>
         </p:txBody>
       </p:sp>
@@ -4626,8 +4636,8 @@
         </p:nvSpPr>
         <p:spPr>
           <a:xfrm>
-            <a:off x="4687659" y="4153571"/>
-            <a:ext cx="1187954" cy="276999"/>
+            <a:off x="4439200" y="4224789"/>
+            <a:ext cx="2046761" cy="738664"/>
           </a:xfrm>
           <a:prstGeom prst="rect">
             <a:avLst/>
@@ -4635,7 +4645,7 @@
           <a:noFill/>
         </p:spPr>
         <p:txBody>
-          <a:bodyPr wrap="none" rtlCol="0">
+          <a:bodyPr wrap="square" rtlCol="0">
             <a:spAutoFit/>
           </a:bodyPr>
           <a:lstStyle/>
@@ -4648,11 +4658,18 @@
               </a:rPr>
               <a:t>% de ruralidad*</a:t>
             </a:r>
-            <a:endParaRPr lang="es-ES" sz="1200" dirty="0">
-              <a:solidFill>
-                <a:srgbClr val="C00000"/>
-              </a:solidFill>
-            </a:endParaRPr>
+          </a:p>
+          <a:p>
+            <a:r>
+              <a:rPr lang="es-CL" sz="1000" dirty="0"/>
+              <a:t>Cantidad de personas que</a:t>
+            </a:r>
+          </a:p>
+          <a:p>
+            <a:r>
+              <a:rPr lang="es-CL" sz="1000" dirty="0"/>
+              <a:t>viven en un ambiente rural o urbano</a:t>
+            </a:r>
           </a:p>
         </p:txBody>
       </p:sp>
@@ -4720,7 +4737,7 @@
         </p:nvSpPr>
         <p:spPr>
           <a:xfrm>
-            <a:off x="274343" y="3452739"/>
+            <a:off x="287678" y="3458276"/>
             <a:ext cx="1994218" cy="584775"/>
           </a:xfrm>
           <a:prstGeom prst="rect">
@@ -4796,7 +4813,7 @@
         </p:nvSpPr>
         <p:spPr>
           <a:xfrm>
-            <a:off x="4382598" y="3558097"/>
+            <a:off x="4440225" y="3496997"/>
             <a:ext cx="1994218" cy="584775"/>
           </a:xfrm>
           <a:prstGeom prst="rect">
@@ -4834,7 +4851,7 @@
         </p:nvSpPr>
         <p:spPr>
           <a:xfrm>
-            <a:off x="287678" y="4516922"/>
+            <a:off x="256806" y="4989718"/>
             <a:ext cx="1994218" cy="584775"/>
           </a:xfrm>
           <a:prstGeom prst="rect">
@@ -4872,7 +4889,7 @@
         </p:nvSpPr>
         <p:spPr>
           <a:xfrm>
-            <a:off x="2407944" y="4480720"/>
+            <a:off x="2384265" y="4989717"/>
             <a:ext cx="1994218" cy="584775"/>
           </a:xfrm>
           <a:prstGeom prst="rect">
@@ -4910,7 +4927,7 @@
         </p:nvSpPr>
         <p:spPr>
           <a:xfrm>
-            <a:off x="4284527" y="4491942"/>
+            <a:off x="4403029" y="4934940"/>
             <a:ext cx="1994218" cy="584775"/>
           </a:xfrm>
           <a:prstGeom prst="rect">
